--- a/BananaPresentation.pptx
+++ b/BananaPresentation.pptx
@@ -217,7 +217,7 @@
           <a:p>
             <a:fld id="{6CADA5FE-F90D-4B10-BD68-D560B15057A3}" type="datetimeFigureOut">
               <a:rPr lang="it-IT" smtClean="0"/>
-              <a:t>26/05/2019</a:t>
+              <a:t>27/05/2019</a:t>
             </a:fld>
             <a:endParaRPr lang="it-IT"/>
           </a:p>
@@ -634,7 +634,7 @@
           <a:p>
             <a:fld id="{969D61DF-3843-45ED-9E3B-33C7DE5EEB7B}" type="datetimeFigureOut">
               <a:rPr lang="it-CH" smtClean="0"/>
-              <a:t>26.05.2019</a:t>
+              <a:t>27.05.2019</a:t>
             </a:fld>
             <a:endParaRPr lang="it-CH"/>
           </a:p>
@@ -834,7 +834,7 @@
           <a:p>
             <a:fld id="{969D61DF-3843-45ED-9E3B-33C7DE5EEB7B}" type="datetimeFigureOut">
               <a:rPr lang="it-CH" smtClean="0"/>
-              <a:t>26.05.2019</a:t>
+              <a:t>27.05.2019</a:t>
             </a:fld>
             <a:endParaRPr lang="it-CH"/>
           </a:p>
@@ -1044,7 +1044,7 @@
           <a:p>
             <a:fld id="{969D61DF-3843-45ED-9E3B-33C7DE5EEB7B}" type="datetimeFigureOut">
               <a:rPr lang="it-CH" smtClean="0"/>
-              <a:t>26.05.2019</a:t>
+              <a:t>27.05.2019</a:t>
             </a:fld>
             <a:endParaRPr lang="it-CH"/>
           </a:p>
@@ -1244,7 +1244,7 @@
           <a:p>
             <a:fld id="{969D61DF-3843-45ED-9E3B-33C7DE5EEB7B}" type="datetimeFigureOut">
               <a:rPr lang="it-CH" smtClean="0"/>
-              <a:t>26.05.2019</a:t>
+              <a:t>27.05.2019</a:t>
             </a:fld>
             <a:endParaRPr lang="it-CH"/>
           </a:p>
@@ -1520,7 +1520,7 @@
           <a:p>
             <a:fld id="{969D61DF-3843-45ED-9E3B-33C7DE5EEB7B}" type="datetimeFigureOut">
               <a:rPr lang="it-CH" smtClean="0"/>
-              <a:t>26.05.2019</a:t>
+              <a:t>27.05.2019</a:t>
             </a:fld>
             <a:endParaRPr lang="it-CH"/>
           </a:p>
@@ -1788,7 +1788,7 @@
           <a:p>
             <a:fld id="{969D61DF-3843-45ED-9E3B-33C7DE5EEB7B}" type="datetimeFigureOut">
               <a:rPr lang="it-CH" smtClean="0"/>
-              <a:t>26.05.2019</a:t>
+              <a:t>27.05.2019</a:t>
             </a:fld>
             <a:endParaRPr lang="it-CH"/>
           </a:p>
@@ -2203,7 +2203,7 @@
           <a:p>
             <a:fld id="{969D61DF-3843-45ED-9E3B-33C7DE5EEB7B}" type="datetimeFigureOut">
               <a:rPr lang="it-CH" smtClean="0"/>
-              <a:t>26.05.2019</a:t>
+              <a:t>27.05.2019</a:t>
             </a:fld>
             <a:endParaRPr lang="it-CH"/>
           </a:p>
@@ -2345,7 +2345,7 @@
           <a:p>
             <a:fld id="{969D61DF-3843-45ED-9E3B-33C7DE5EEB7B}" type="datetimeFigureOut">
               <a:rPr lang="it-CH" smtClean="0"/>
-              <a:t>26.05.2019</a:t>
+              <a:t>27.05.2019</a:t>
             </a:fld>
             <a:endParaRPr lang="it-CH"/>
           </a:p>
@@ -2458,7 +2458,7 @@
           <a:p>
             <a:fld id="{969D61DF-3843-45ED-9E3B-33C7DE5EEB7B}" type="datetimeFigureOut">
               <a:rPr lang="it-CH" smtClean="0"/>
-              <a:t>26.05.2019</a:t>
+              <a:t>27.05.2019</a:t>
             </a:fld>
             <a:endParaRPr lang="it-CH"/>
           </a:p>
@@ -2771,7 +2771,7 @@
           <a:p>
             <a:fld id="{969D61DF-3843-45ED-9E3B-33C7DE5EEB7B}" type="datetimeFigureOut">
               <a:rPr lang="it-CH" smtClean="0"/>
-              <a:t>26.05.2019</a:t>
+              <a:t>27.05.2019</a:t>
             </a:fld>
             <a:endParaRPr lang="it-CH"/>
           </a:p>
@@ -3060,7 +3060,7 @@
           <a:p>
             <a:fld id="{969D61DF-3843-45ED-9E3B-33C7DE5EEB7B}" type="datetimeFigureOut">
               <a:rPr lang="it-CH" smtClean="0"/>
-              <a:t>26.05.2019</a:t>
+              <a:t>27.05.2019</a:t>
             </a:fld>
             <a:endParaRPr lang="it-CH"/>
           </a:p>
@@ -3303,7 +3303,7 @@
           <a:p>
             <a:fld id="{969D61DF-3843-45ED-9E3B-33C7DE5EEB7B}" type="datetimeFigureOut">
               <a:rPr lang="it-CH" smtClean="0"/>
-              <a:t>26.05.2019</a:t>
+              <a:t>27.05.2019</a:t>
             </a:fld>
             <a:endParaRPr lang="it-CH"/>
           </a:p>
@@ -5559,7 +5559,7 @@
         <p:spPr/>
         <p:txBody>
           <a:bodyPr>
-            <a:normAutofit/>
+            <a:normAutofit lnSpcReduction="10000"/>
           </a:bodyPr>
           <a:lstStyle/>
           <a:p>
@@ -5583,7 +5583,7 @@
           <a:p>
             <a:r>
               <a:rPr lang="en-US" dirty="0"/>
-              <a:t>Accounting based financial planning</a:t>
+              <a:t>Financial planning</a:t>
             </a:r>
           </a:p>
           <a:p>
@@ -5601,7 +5601,27 @@
           <a:p>
             <a:r>
               <a:rPr lang="en-US" dirty="0"/>
+              <a:t>Connect Excel sheet for data analysis</a:t>
+            </a:r>
+          </a:p>
+          <a:p>
+            <a:r>
+              <a:rPr lang="en-US" dirty="0"/>
               <a:t>Javascript extensions</a:t>
+            </a:r>
+          </a:p>
+          <a:p>
+            <a:r>
+              <a:rPr lang="en-US" dirty="0"/>
+              <a:t>Fixed </a:t>
+            </a:r>
+            <a:r>
+              <a:rPr lang="en-US"/>
+              <a:t>assets register, </a:t>
+            </a:r>
+            <a:r>
+              <a:rPr lang="en-US" dirty="0"/>
+              <a:t>Timesheet</a:t>
             </a:r>
           </a:p>
           <a:p>
@@ -5692,19 +5712,13 @@
           <a:p>
             <a:r>
               <a:rPr lang="en-US" dirty="0"/>
-              <a:t>Developed in collaboration with accounting teachers</a:t>
+              <a:t>Similar to Excel, no special training needed</a:t>
             </a:r>
           </a:p>
           <a:p>
             <a:r>
               <a:rPr lang="en-US" dirty="0"/>
-              <a:t>Similar to Excel, no special training needed</a:t>
-            </a:r>
-          </a:p>
-          <a:p>
-            <a:r>
-              <a:rPr lang="en-US" dirty="0"/>
-              <a:t>Makes easy to understand double entry accounting</a:t>
+              <a:t>Help understand the double entry accounting method</a:t>
             </a:r>
           </a:p>
           <a:p>
@@ -5722,13 +5736,13 @@
           <a:p>
             <a:r>
               <a:rPr lang="en-US" dirty="0"/>
-              <a:t>Students can install on their computer</a:t>
+              <a:t>Students can install on their computer, laptop, tablet or phone</a:t>
             </a:r>
           </a:p>
           <a:p>
             <a:r>
               <a:rPr lang="en-US" dirty="0"/>
-              <a:t>Less time to check work done by student</a:t>
+              <a:t>Less time to check the work done by student</a:t>
             </a:r>
           </a:p>
           <a:p>
